--- a/Topic B Programming Skills/Basic Programming Review.pptx
+++ b/Topic B Programming Skills/Basic Programming Review.pptx
@@ -120,6 +120,22 @@
       </a:defRPr>
     </a:lvl9pPr>
   </p:defaultTextStyle>
+  <p:extLst>
+    <p:ext uri="{EFAFB233-063F-42B5-8137-9DF3F51BA10A}">
+      <p15:sldGuideLst xmlns:p15="http://schemas.microsoft.com/office/powerpoint/2012/main">
+        <p15:guide id="1" orient="horz" pos="2160">
+          <p15:clr>
+            <a:srgbClr val="A4A3A4"/>
+          </p15:clr>
+        </p15:guide>
+        <p15:guide id="2" pos="2880">
+          <p15:clr>
+            <a:srgbClr val="A4A3A4"/>
+          </p15:clr>
+        </p15:guide>
+      </p15:sldGuideLst>
+    </p:ext>
+  </p:extLst>
 </p:presentation>
 </file>
 
@@ -255,7 +271,7 @@
             <a:fld id="{D74B3FD2-1AB1-430A-8B5C-4EF8F50D9983}" type="datetimeFigureOut">
               <a:rPr lang="en-US" smtClean="0"/>
               <a:pPr/>
-              <a:t>2/24/2019</a:t>
+              <a:t>2/26/2019</a:t>
             </a:fld>
             <a:endParaRPr lang="en-US"/>
           </a:p>
@@ -307,7 +323,7 @@
     </p:spTree>
     <p:extLst>
       <p:ext uri="{BB962C8B-B14F-4D97-AF65-F5344CB8AC3E}">
-        <p14:creationId xmlns:p14="http://schemas.microsoft.com/office/powerpoint/2010/main" xmlns="" val="1559293363"/>
+        <p14:creationId xmlns:p14="http://schemas.microsoft.com/office/powerpoint/2010/main" val="1559293363"/>
       </p:ext>
     </p:extLst>
   </p:cSld>
@@ -427,7 +443,7 @@
             <a:fld id="{D74B3FD2-1AB1-430A-8B5C-4EF8F50D9983}" type="datetimeFigureOut">
               <a:rPr lang="en-US" smtClean="0"/>
               <a:pPr/>
-              <a:t>2/24/2019</a:t>
+              <a:t>2/26/2019</a:t>
             </a:fld>
             <a:endParaRPr lang="en-US"/>
           </a:p>
@@ -479,7 +495,7 @@
     </p:spTree>
     <p:extLst>
       <p:ext uri="{BB962C8B-B14F-4D97-AF65-F5344CB8AC3E}">
-        <p14:creationId xmlns:p14="http://schemas.microsoft.com/office/powerpoint/2010/main" xmlns="" val="2690741462"/>
+        <p14:creationId xmlns:p14="http://schemas.microsoft.com/office/powerpoint/2010/main" val="2690741462"/>
       </p:ext>
     </p:extLst>
   </p:cSld>
@@ -609,7 +625,7 @@
             <a:fld id="{D74B3FD2-1AB1-430A-8B5C-4EF8F50D9983}" type="datetimeFigureOut">
               <a:rPr lang="en-US" smtClean="0"/>
               <a:pPr/>
-              <a:t>2/24/2019</a:t>
+              <a:t>2/26/2019</a:t>
             </a:fld>
             <a:endParaRPr lang="en-US"/>
           </a:p>
@@ -661,7 +677,7 @@
     </p:spTree>
     <p:extLst>
       <p:ext uri="{BB962C8B-B14F-4D97-AF65-F5344CB8AC3E}">
-        <p14:creationId xmlns:p14="http://schemas.microsoft.com/office/powerpoint/2010/main" xmlns="" val="2153824393"/>
+        <p14:creationId xmlns:p14="http://schemas.microsoft.com/office/powerpoint/2010/main" val="2153824393"/>
       </p:ext>
     </p:extLst>
   </p:cSld>
@@ -781,7 +797,7 @@
             <a:fld id="{D74B3FD2-1AB1-430A-8B5C-4EF8F50D9983}" type="datetimeFigureOut">
               <a:rPr lang="en-US" smtClean="0"/>
               <a:pPr/>
-              <a:t>2/24/2019</a:t>
+              <a:t>2/26/2019</a:t>
             </a:fld>
             <a:endParaRPr lang="en-US"/>
           </a:p>
@@ -833,7 +849,7 @@
     </p:spTree>
     <p:extLst>
       <p:ext uri="{BB962C8B-B14F-4D97-AF65-F5344CB8AC3E}">
-        <p14:creationId xmlns:p14="http://schemas.microsoft.com/office/powerpoint/2010/main" xmlns="" val="1044490477"/>
+        <p14:creationId xmlns:p14="http://schemas.microsoft.com/office/powerpoint/2010/main" val="1044490477"/>
       </p:ext>
     </p:extLst>
   </p:cSld>
@@ -1027,7 +1043,7 @@
             <a:fld id="{D74B3FD2-1AB1-430A-8B5C-4EF8F50D9983}" type="datetimeFigureOut">
               <a:rPr lang="en-US" smtClean="0"/>
               <a:pPr/>
-              <a:t>2/24/2019</a:t>
+              <a:t>2/26/2019</a:t>
             </a:fld>
             <a:endParaRPr lang="en-US"/>
           </a:p>
@@ -1079,7 +1095,7 @@
     </p:spTree>
     <p:extLst>
       <p:ext uri="{BB962C8B-B14F-4D97-AF65-F5344CB8AC3E}">
-        <p14:creationId xmlns:p14="http://schemas.microsoft.com/office/powerpoint/2010/main" xmlns="" val="2451340708"/>
+        <p14:creationId xmlns:p14="http://schemas.microsoft.com/office/powerpoint/2010/main" val="2451340708"/>
       </p:ext>
     </p:extLst>
   </p:cSld>
@@ -1261,7 +1277,7 @@
             <a:fld id="{D74B3FD2-1AB1-430A-8B5C-4EF8F50D9983}" type="datetimeFigureOut">
               <a:rPr lang="en-US" smtClean="0"/>
               <a:pPr/>
-              <a:t>2/24/2019</a:t>
+              <a:t>2/26/2019</a:t>
             </a:fld>
             <a:endParaRPr lang="en-US"/>
           </a:p>
@@ -1313,7 +1329,7 @@
     </p:spTree>
     <p:extLst>
       <p:ext uri="{BB962C8B-B14F-4D97-AF65-F5344CB8AC3E}">
-        <p14:creationId xmlns:p14="http://schemas.microsoft.com/office/powerpoint/2010/main" xmlns="" val="3483565287"/>
+        <p14:creationId xmlns:p14="http://schemas.microsoft.com/office/powerpoint/2010/main" val="3483565287"/>
       </p:ext>
     </p:extLst>
   </p:cSld>
@@ -1630,7 +1646,7 @@
             <a:fld id="{D74B3FD2-1AB1-430A-8B5C-4EF8F50D9983}" type="datetimeFigureOut">
               <a:rPr lang="en-US" smtClean="0"/>
               <a:pPr/>
-              <a:t>2/24/2019</a:t>
+              <a:t>2/26/2019</a:t>
             </a:fld>
             <a:endParaRPr lang="en-US"/>
           </a:p>
@@ -1682,7 +1698,7 @@
     </p:spTree>
     <p:extLst>
       <p:ext uri="{BB962C8B-B14F-4D97-AF65-F5344CB8AC3E}">
-        <p14:creationId xmlns:p14="http://schemas.microsoft.com/office/powerpoint/2010/main" xmlns="" val="2177661438"/>
+        <p14:creationId xmlns:p14="http://schemas.microsoft.com/office/powerpoint/2010/main" val="2177661438"/>
       </p:ext>
     </p:extLst>
   </p:cSld>
@@ -1750,7 +1766,7 @@
             <a:fld id="{D74B3FD2-1AB1-430A-8B5C-4EF8F50D9983}" type="datetimeFigureOut">
               <a:rPr lang="en-US" smtClean="0"/>
               <a:pPr/>
-              <a:t>2/24/2019</a:t>
+              <a:t>2/26/2019</a:t>
             </a:fld>
             <a:endParaRPr lang="en-US"/>
           </a:p>
@@ -1802,7 +1818,7 @@
     </p:spTree>
     <p:extLst>
       <p:ext uri="{BB962C8B-B14F-4D97-AF65-F5344CB8AC3E}">
-        <p14:creationId xmlns:p14="http://schemas.microsoft.com/office/powerpoint/2010/main" xmlns="" val="4047132241"/>
+        <p14:creationId xmlns:p14="http://schemas.microsoft.com/office/powerpoint/2010/main" val="4047132241"/>
       </p:ext>
     </p:extLst>
   </p:cSld>
@@ -1847,7 +1863,7 @@
             <a:fld id="{D74B3FD2-1AB1-430A-8B5C-4EF8F50D9983}" type="datetimeFigureOut">
               <a:rPr lang="en-US" smtClean="0"/>
               <a:pPr/>
-              <a:t>2/24/2019</a:t>
+              <a:t>2/26/2019</a:t>
             </a:fld>
             <a:endParaRPr lang="en-US"/>
           </a:p>
@@ -1899,7 +1915,7 @@
     </p:spTree>
     <p:extLst>
       <p:ext uri="{BB962C8B-B14F-4D97-AF65-F5344CB8AC3E}">
-        <p14:creationId xmlns:p14="http://schemas.microsoft.com/office/powerpoint/2010/main" xmlns="" val="3696327889"/>
+        <p14:creationId xmlns:p14="http://schemas.microsoft.com/office/powerpoint/2010/main" val="3696327889"/>
       </p:ext>
     </p:extLst>
   </p:cSld>
@@ -2126,7 +2142,7 @@
             <a:fld id="{D74B3FD2-1AB1-430A-8B5C-4EF8F50D9983}" type="datetimeFigureOut">
               <a:rPr lang="en-US" smtClean="0"/>
               <a:pPr/>
-              <a:t>2/24/2019</a:t>
+              <a:t>2/26/2019</a:t>
             </a:fld>
             <a:endParaRPr lang="en-US"/>
           </a:p>
@@ -2178,7 +2194,7 @@
     </p:spTree>
     <p:extLst>
       <p:ext uri="{BB962C8B-B14F-4D97-AF65-F5344CB8AC3E}">
-        <p14:creationId xmlns:p14="http://schemas.microsoft.com/office/powerpoint/2010/main" xmlns="" val="3312231771"/>
+        <p14:creationId xmlns:p14="http://schemas.microsoft.com/office/powerpoint/2010/main" val="3312231771"/>
       </p:ext>
     </p:extLst>
   </p:cSld>
@@ -2385,7 +2401,7 @@
             <a:fld id="{D74B3FD2-1AB1-430A-8B5C-4EF8F50D9983}" type="datetimeFigureOut">
               <a:rPr lang="en-US" smtClean="0"/>
               <a:pPr/>
-              <a:t>2/24/2019</a:t>
+              <a:t>2/26/2019</a:t>
             </a:fld>
             <a:endParaRPr lang="en-US"/>
           </a:p>
@@ -2437,7 +2453,7 @@
     </p:spTree>
     <p:extLst>
       <p:ext uri="{BB962C8B-B14F-4D97-AF65-F5344CB8AC3E}">
-        <p14:creationId xmlns:p14="http://schemas.microsoft.com/office/powerpoint/2010/main" xmlns="" val="2801122216"/>
+        <p14:creationId xmlns:p14="http://schemas.microsoft.com/office/powerpoint/2010/main" val="2801122216"/>
       </p:ext>
     </p:extLst>
   </p:cSld>
@@ -2600,7 +2616,7 @@
             <a:fld id="{D74B3FD2-1AB1-430A-8B5C-4EF8F50D9983}" type="datetimeFigureOut">
               <a:rPr lang="en-US" smtClean="0"/>
               <a:pPr/>
-              <a:t>2/24/2019</a:t>
+              <a:t>2/26/2019</a:t>
             </a:fld>
             <a:endParaRPr lang="en-US"/>
           </a:p>
@@ -2688,7 +2704,7 @@
     </p:spTree>
     <p:extLst>
       <p:ext uri="{BB962C8B-B14F-4D97-AF65-F5344CB8AC3E}">
-        <p14:creationId xmlns:p14="http://schemas.microsoft.com/office/powerpoint/2010/main" xmlns="" val="518358451"/>
+        <p14:creationId xmlns:p14="http://schemas.microsoft.com/office/powerpoint/2010/main" val="518358451"/>
       </p:ext>
     </p:extLst>
   </p:cSld>
@@ -3055,13 +3071,20 @@
     </p:spTree>
     <p:extLst>
       <p:ext uri="{BB962C8B-B14F-4D97-AF65-F5344CB8AC3E}">
-        <p14:creationId xmlns:p14="http://schemas.microsoft.com/office/powerpoint/2010/main" xmlns="" val="2818400062"/>
+        <p14:creationId xmlns:p14="http://schemas.microsoft.com/office/powerpoint/2010/main" val="2818400062"/>
       </p:ext>
     </p:extLst>
   </p:cSld>
   <p:clrMapOvr>
     <a:masterClrMapping/>
   </p:clrMapOvr>
+  <p:timing>
+    <p:tnLst>
+      <p:par>
+        <p:cTn id="1" dur="indefinite" restart="never" nodeType="tmRoot"/>
+      </p:par>
+    </p:tnLst>
+  </p:timing>
 </p:sld>
 </file>
 
@@ -3228,13 +3251,20 @@
     </p:spTree>
     <p:extLst>
       <p:ext uri="{BB962C8B-B14F-4D97-AF65-F5344CB8AC3E}">
-        <p14:creationId xmlns:p14="http://schemas.microsoft.com/office/powerpoint/2010/main" xmlns="" val="1765617944"/>
+        <p14:creationId xmlns:p14="http://schemas.microsoft.com/office/powerpoint/2010/main" val="1765617944"/>
       </p:ext>
     </p:extLst>
   </p:cSld>
   <p:clrMapOvr>
     <a:masterClrMapping/>
   </p:clrMapOvr>
+  <p:timing>
+    <p:tnLst>
+      <p:par>
+        <p:cTn id="1" dur="indefinite" restart="never" nodeType="tmRoot"/>
+      </p:par>
+    </p:tnLst>
+  </p:timing>
 </p:sld>
 </file>
 
@@ -3538,13 +3568,20 @@
     </p:spTree>
     <p:extLst>
       <p:ext uri="{BB962C8B-B14F-4D97-AF65-F5344CB8AC3E}">
-        <p14:creationId xmlns:p14="http://schemas.microsoft.com/office/powerpoint/2010/main" xmlns="" val="1765617944"/>
+        <p14:creationId xmlns:p14="http://schemas.microsoft.com/office/powerpoint/2010/main" val="1765617944"/>
       </p:ext>
     </p:extLst>
   </p:cSld>
   <p:clrMapOvr>
     <a:masterClrMapping/>
   </p:clrMapOvr>
+  <p:timing>
+    <p:tnLst>
+      <p:par>
+        <p:cTn id="1" dur="indefinite" restart="never" nodeType="tmRoot"/>
+      </p:par>
+    </p:tnLst>
+  </p:timing>
 </p:sld>
 </file>
 
@@ -3616,11 +3653,7 @@
             </a:pPr>
             <a:r>
               <a:rPr lang="en-US" dirty="0" smtClean="0"/>
-              <a:t>	</a:t>
-            </a:r>
-            <a:r>
-              <a:rPr lang="en-US" dirty="0" smtClean="0"/>
-              <a:t>	</a:t>
+              <a:t>		</a:t>
             </a:r>
             <a:r>
               <a:rPr lang="en-US" sz="2600" dirty="0" err="1" smtClean="0">
@@ -3649,7 +3682,15 @@
                   <a:srgbClr val="002060"/>
                 </a:solidFill>
               </a:rPr>
-              <a:t>	</a:t>
+              <a:t>		</a:t>
+            </a:r>
+            <a:r>
+              <a:rPr lang="en-US" sz="2600" b="1" dirty="0" smtClean="0">
+                <a:solidFill>
+                  <a:srgbClr val="002060"/>
+                </a:solidFill>
+              </a:rPr>
+              <a:t>if</a:t>
             </a:r>
             <a:r>
               <a:rPr lang="en-US" sz="2600" dirty="0" smtClean="0">
@@ -3657,7 +3698,23 @@
                   <a:srgbClr val="002060"/>
                 </a:solidFill>
               </a:rPr>
-              <a:t>	</a:t>
+              <a:t> (</a:t>
+            </a:r>
+            <a:r>
+              <a:rPr lang="en-US" sz="2600" dirty="0" err="1" smtClean="0">
+                <a:solidFill>
+                  <a:srgbClr val="002060"/>
+                </a:solidFill>
+              </a:rPr>
+              <a:t>isAcceleration</a:t>
+            </a:r>
+            <a:r>
+              <a:rPr lang="en-US" sz="2600" dirty="0" smtClean="0">
+                <a:solidFill>
+                  <a:srgbClr val="002060"/>
+                </a:solidFill>
+              </a:rPr>
+              <a:t> == True) </a:t>
             </a:r>
             <a:r>
               <a:rPr lang="en-US" sz="2600" b="1" dirty="0" smtClean="0">
@@ -3665,39 +3722,68 @@
                   <a:srgbClr val="002060"/>
                 </a:solidFill>
               </a:rPr>
-              <a:t>if</a:t>
-            </a:r>
+              <a:t>:</a:t>
+            </a:r>
+          </a:p>
+          <a:p>
+            <a:pPr>
+              <a:buNone/>
+            </a:pPr>
             <a:r>
               <a:rPr lang="en-US" sz="2600" dirty="0" smtClean="0">
                 <a:solidFill>
                   <a:srgbClr val="002060"/>
                 </a:solidFill>
               </a:rPr>
-              <a:t> (</a:t>
+              <a:t>		</a:t>
+            </a:r>
+            <a:r>
+              <a:rPr lang="en-US" sz="2600" dirty="0" smtClean="0">
+                <a:solidFill>
+                  <a:srgbClr val="C00000"/>
+                </a:solidFill>
+              </a:rPr>
+              <a:t>    </a:t>
             </a:r>
             <a:r>
               <a:rPr lang="en-US" sz="2600" dirty="0" err="1" smtClean="0">
                 <a:solidFill>
-                  <a:srgbClr val="002060"/>
-                </a:solidFill>
-              </a:rPr>
-              <a:t>isAcceleration</a:t>
+                  <a:srgbClr val="C00000"/>
+                </a:solidFill>
+              </a:rPr>
+              <a:t>mySpeed</a:t>
             </a:r>
             <a:r>
               <a:rPr lang="en-US" sz="2600" dirty="0" smtClean="0">
                 <a:solidFill>
-                  <a:srgbClr val="002060"/>
-                </a:solidFill>
-              </a:rPr>
-              <a:t> == True) </a:t>
-            </a:r>
-            <a:r>
-              <a:rPr lang="en-US" sz="2600" b="1" dirty="0" smtClean="0">
-                <a:solidFill>
-                  <a:srgbClr val="002060"/>
-                </a:solidFill>
-              </a:rPr>
-              <a:t>:</a:t>
+                  <a:srgbClr val="C00000"/>
+                </a:solidFill>
+              </a:rPr>
+              <a:t> </a:t>
+            </a:r>
+            <a:r>
+              <a:rPr lang="en-US" sz="2600" dirty="0" smtClean="0">
+                <a:solidFill>
+                  <a:srgbClr val="C00000"/>
+                </a:solidFill>
+              </a:rPr>
+              <a:t>= </a:t>
+            </a:r>
+            <a:r>
+              <a:rPr lang="en-US" sz="2600" dirty="0" err="1" smtClean="0">
+                <a:solidFill>
+                  <a:srgbClr val="C00000"/>
+                </a:solidFill>
+              </a:rPr>
+              <a:t>mySpeed</a:t>
+            </a:r>
+            <a:r>
+              <a:rPr lang="en-US" sz="2600" dirty="0" smtClean="0">
+                <a:solidFill>
+                  <a:srgbClr val="C00000"/>
+                </a:solidFill>
+              </a:rPr>
+              <a:t> + 5</a:t>
             </a:r>
           </a:p>
           <a:p>
@@ -3707,116 +3793,39 @@
             <a:r>
               <a:rPr lang="en-US" sz="2600" dirty="0" smtClean="0">
                 <a:solidFill>
-                  <a:srgbClr val="002060"/>
-                </a:solidFill>
-              </a:rPr>
-              <a:t>	</a:t>
+                  <a:srgbClr val="C00000"/>
+                </a:solidFill>
+              </a:rPr>
+              <a:t>		    </a:t>
+            </a:r>
+            <a:r>
+              <a:rPr lang="en-US" sz="2600" dirty="0" err="1" smtClean="0">
+                <a:solidFill>
+                  <a:srgbClr val="C00000"/>
+                </a:solidFill>
+              </a:rPr>
+              <a:t>ticketPossible</a:t>
             </a:r>
             <a:r>
               <a:rPr lang="en-US" sz="2600" dirty="0" smtClean="0">
                 <a:solidFill>
-                  <a:srgbClr val="002060"/>
-                </a:solidFill>
-              </a:rPr>
-              <a:t>	</a:t>
-            </a:r>
+                  <a:srgbClr val="C00000"/>
+                </a:solidFill>
+              </a:rPr>
+              <a:t> = True</a:t>
+            </a:r>
+          </a:p>
+          <a:p>
+            <a:pPr>
+              <a:buNone/>
+            </a:pPr>
             <a:r>
               <a:rPr lang="en-US" sz="2600" dirty="0" smtClean="0">
                 <a:solidFill>
-                  <a:srgbClr val="C00000"/>
-                </a:solidFill>
-              </a:rPr>
-              <a:t>    </a:t>
-            </a:r>
-            <a:r>
-              <a:rPr lang="en-US" sz="2600" dirty="0" err="1" smtClean="0">
-                <a:solidFill>
-                  <a:srgbClr val="C00000"/>
-                </a:solidFill>
-              </a:rPr>
-              <a:t>mySpeeed</a:t>
-            </a:r>
-            <a:r>
-              <a:rPr lang="en-US" sz="2600" dirty="0" smtClean="0">
-                <a:solidFill>
-                  <a:srgbClr val="C00000"/>
-                </a:solidFill>
-              </a:rPr>
-              <a:t> = </a:t>
-            </a:r>
-            <a:r>
-              <a:rPr lang="en-US" sz="2600" dirty="0" err="1" smtClean="0">
-                <a:solidFill>
-                  <a:srgbClr val="C00000"/>
-                </a:solidFill>
-              </a:rPr>
-              <a:t>mySpeed</a:t>
-            </a:r>
-            <a:r>
-              <a:rPr lang="en-US" sz="2600" dirty="0" smtClean="0">
-                <a:solidFill>
-                  <a:srgbClr val="C00000"/>
-                </a:solidFill>
-              </a:rPr>
-              <a:t> + 5</a:t>
-            </a:r>
-          </a:p>
-          <a:p>
-            <a:pPr>
-              <a:buNone/>
-            </a:pPr>
-            <a:r>
-              <a:rPr lang="en-US" sz="2600" dirty="0" smtClean="0">
-                <a:solidFill>
-                  <a:srgbClr val="C00000"/>
-                </a:solidFill>
-              </a:rPr>
-              <a:t>	</a:t>
-            </a:r>
-            <a:r>
-              <a:rPr lang="en-US" sz="2600" dirty="0" smtClean="0">
-                <a:solidFill>
-                  <a:srgbClr val="C00000"/>
-                </a:solidFill>
-              </a:rPr>
-              <a:t>	    </a:t>
-            </a:r>
-            <a:r>
-              <a:rPr lang="en-US" sz="2600" dirty="0" err="1" smtClean="0">
-                <a:solidFill>
-                  <a:srgbClr val="C00000"/>
-                </a:solidFill>
-              </a:rPr>
-              <a:t>ticketPossible</a:t>
-            </a:r>
-            <a:r>
-              <a:rPr lang="en-US" sz="2600" dirty="0" smtClean="0">
-                <a:solidFill>
-                  <a:srgbClr val="C00000"/>
-                </a:solidFill>
-              </a:rPr>
-              <a:t> = True</a:t>
-            </a:r>
-          </a:p>
-          <a:p>
-            <a:pPr>
-              <a:buNone/>
-            </a:pPr>
-            <a:r>
-              <a:rPr lang="en-US" sz="2600" dirty="0" smtClean="0">
-                <a:solidFill>
-                  <a:srgbClr val="002060"/>
-                </a:solidFill>
-              </a:rPr>
-              <a:t>	</a:t>
-            </a:r>
-            <a:r>
-              <a:rPr lang="en-US" sz="2600" dirty="0" smtClean="0">
-                <a:solidFill>
-                  <a:srgbClr val="002060"/>
-                </a:solidFill>
-              </a:rPr>
-              <a:t>	print(</a:t>
+                  <a:srgbClr val="002060"/>
+                </a:solidFill>
+              </a:rPr>
+              <a:t>		print(</a:t>
             </a:r>
             <a:r>
               <a:rPr lang="en-US" sz="2600" dirty="0" err="1" smtClean="0">
@@ -3863,7 +3872,6 @@
               <a:rPr lang="en-US" dirty="0" smtClean="0"/>
               <a:t> executed if the condition is True</a:t>
             </a:r>
-            <a:endParaRPr lang="en-US" dirty="0" smtClean="0"/>
           </a:p>
           <a:p>
             <a:endParaRPr lang="en-US" dirty="0" smtClean="0"/>
@@ -3999,6 +4007,13 @@
   <p:clrMapOvr>
     <a:masterClrMapping/>
   </p:clrMapOvr>
+  <p:timing>
+    <p:tnLst>
+      <p:par>
+        <p:cTn id="1" dur="indefinite" restart="never" nodeType="tmRoot"/>
+      </p:par>
+    </p:tnLst>
+  </p:timing>
 </p:sld>
 </file>
 
@@ -4036,15 +4051,7 @@
           <a:p>
             <a:r>
               <a:rPr lang="en-US" dirty="0" smtClean="0"/>
-              <a:t>ELSE</a:t>
-            </a:r>
-            <a:r>
-              <a:rPr lang="en-US" dirty="0" smtClean="0"/>
-              <a:t> </a:t>
-            </a:r>
-            <a:r>
-              <a:rPr lang="en-US" dirty="0" smtClean="0"/>
-              <a:t>Statements (</a:t>
+              <a:t>ELSE Statements (</a:t>
             </a:r>
             <a:r>
               <a:rPr lang="en-US" sz="4000" dirty="0" smtClean="0"/>
@@ -4086,11 +4093,7 @@
             </a:pPr>
             <a:r>
               <a:rPr lang="en-US" dirty="0" smtClean="0"/>
-              <a:t>	</a:t>
-            </a:r>
-            <a:r>
-              <a:rPr lang="en-US" dirty="0" smtClean="0"/>
-              <a:t>	</a:t>
+              <a:t>		</a:t>
             </a:r>
             <a:r>
               <a:rPr lang="en-US" sz="2600" dirty="0" err="1" smtClean="0">
@@ -4119,7 +4122,15 @@
                   <a:srgbClr val="002060"/>
                 </a:solidFill>
               </a:rPr>
-              <a:t>	</a:t>
+              <a:t>		</a:t>
+            </a:r>
+            <a:r>
+              <a:rPr lang="en-US" sz="2600" b="1" dirty="0" smtClean="0">
+                <a:solidFill>
+                  <a:srgbClr val="002060"/>
+                </a:solidFill>
+              </a:rPr>
+              <a:t>if</a:t>
             </a:r>
             <a:r>
               <a:rPr lang="en-US" sz="2600" dirty="0" smtClean="0">
@@ -4127,7 +4138,23 @@
                   <a:srgbClr val="002060"/>
                 </a:solidFill>
               </a:rPr>
-              <a:t>	</a:t>
+              <a:t> (</a:t>
+            </a:r>
+            <a:r>
+              <a:rPr lang="en-US" sz="2600" dirty="0" err="1" smtClean="0">
+                <a:solidFill>
+                  <a:srgbClr val="002060"/>
+                </a:solidFill>
+              </a:rPr>
+              <a:t>isAcceleration</a:t>
+            </a:r>
+            <a:r>
+              <a:rPr lang="en-US" sz="2600" dirty="0" smtClean="0">
+                <a:solidFill>
+                  <a:srgbClr val="002060"/>
+                </a:solidFill>
+              </a:rPr>
+              <a:t> == True) </a:t>
             </a:r>
             <a:r>
               <a:rPr lang="en-US" sz="2600" b="1" dirty="0" smtClean="0">
@@ -4135,31 +4162,102 @@
                   <a:srgbClr val="002060"/>
                 </a:solidFill>
               </a:rPr>
-              <a:t>if</a:t>
-            </a:r>
+              <a:t>:</a:t>
+            </a:r>
+          </a:p>
+          <a:p>
+            <a:pPr>
+              <a:buNone/>
+            </a:pPr>
             <a:r>
               <a:rPr lang="en-US" sz="2600" dirty="0" smtClean="0">
                 <a:solidFill>
                   <a:srgbClr val="002060"/>
                 </a:solidFill>
               </a:rPr>
-              <a:t> (</a:t>
+              <a:t>		</a:t>
+            </a:r>
+            <a:r>
+              <a:rPr lang="en-US" sz="2600" dirty="0" smtClean="0">
+                <a:solidFill>
+                  <a:srgbClr val="C00000"/>
+                </a:solidFill>
+              </a:rPr>
+              <a:t>    </a:t>
             </a:r>
             <a:r>
               <a:rPr lang="en-US" sz="2600" dirty="0" err="1" smtClean="0">
                 <a:solidFill>
-                  <a:srgbClr val="002060"/>
-                </a:solidFill>
-              </a:rPr>
-              <a:t>isAcceleration</a:t>
+                  <a:srgbClr val="C00000"/>
+                </a:solidFill>
+              </a:rPr>
+              <a:t>mySpeeed</a:t>
             </a:r>
             <a:r>
               <a:rPr lang="en-US" sz="2600" dirty="0" smtClean="0">
                 <a:solidFill>
-                  <a:srgbClr val="002060"/>
-                </a:solidFill>
-              </a:rPr>
-              <a:t> == True) </a:t>
+                  <a:srgbClr val="C00000"/>
+                </a:solidFill>
+              </a:rPr>
+              <a:t> = </a:t>
+            </a:r>
+            <a:r>
+              <a:rPr lang="en-US" sz="2600" dirty="0" err="1" smtClean="0">
+                <a:solidFill>
+                  <a:srgbClr val="C00000"/>
+                </a:solidFill>
+              </a:rPr>
+              <a:t>mySpeed</a:t>
+            </a:r>
+            <a:r>
+              <a:rPr lang="en-US" sz="2600" dirty="0" smtClean="0">
+                <a:solidFill>
+                  <a:srgbClr val="C00000"/>
+                </a:solidFill>
+              </a:rPr>
+              <a:t> + 5</a:t>
+            </a:r>
+          </a:p>
+          <a:p>
+            <a:pPr>
+              <a:buNone/>
+            </a:pPr>
+            <a:r>
+              <a:rPr lang="en-US" sz="2600" dirty="0" smtClean="0">
+                <a:solidFill>
+                  <a:srgbClr val="C00000"/>
+                </a:solidFill>
+              </a:rPr>
+              <a:t>		    </a:t>
+            </a:r>
+            <a:r>
+              <a:rPr lang="en-US" sz="2600" dirty="0" err="1" smtClean="0">
+                <a:solidFill>
+                  <a:srgbClr val="C00000"/>
+                </a:solidFill>
+              </a:rPr>
+              <a:t>ticketPossible</a:t>
+            </a:r>
+            <a:r>
+              <a:rPr lang="en-US" sz="2600" dirty="0" smtClean="0">
+                <a:solidFill>
+                  <a:srgbClr val="C00000"/>
+                </a:solidFill>
+              </a:rPr>
+              <a:t> = True</a:t>
+            </a:r>
+          </a:p>
+          <a:p>
+            <a:pPr>
+              <a:buNone/>
+            </a:pPr>
+            <a:r>
+              <a:rPr lang="en-US" sz="2600" dirty="0" smtClean="0">
+                <a:solidFill>
+                  <a:srgbClr val="002060"/>
+                </a:solidFill>
+              </a:rPr>
+              <a:t>		</a:t>
             </a:r>
             <a:r>
               <a:rPr lang="en-US" sz="2600" b="1" dirty="0" smtClean="0">
@@ -4167,7 +4265,7 @@
                   <a:srgbClr val="002060"/>
                 </a:solidFill>
               </a:rPr>
-              <a:t>:</a:t>
+              <a:t>else :</a:t>
             </a:r>
           </a:p>
           <a:p>
@@ -4180,15 +4278,23 @@
                   <a:srgbClr val="002060"/>
                 </a:solidFill>
               </a:rPr>
-              <a:t>	</a:t>
+              <a:t>		</a:t>
             </a:r>
             <a:r>
               <a:rPr lang="en-US" sz="2600" dirty="0" smtClean="0">
                 <a:solidFill>
-                  <a:srgbClr val="002060"/>
-                </a:solidFill>
-              </a:rPr>
-              <a:t>	</a:t>
+                  <a:srgbClr val="C00000"/>
+                </a:solidFill>
+              </a:rPr>
+              <a:t>    </a:t>
+            </a:r>
+            <a:r>
+              <a:rPr lang="en-US" sz="2600" dirty="0" err="1" smtClean="0">
+                <a:solidFill>
+                  <a:srgbClr val="C00000"/>
+                </a:solidFill>
+              </a:rPr>
+              <a:t>mySpeeed</a:t>
             </a:r>
             <a:r>
               <a:rPr lang="en-US" sz="2600" dirty="0" smtClean="0">
@@ -4196,7 +4302,7 @@
                   <a:srgbClr val="C00000"/>
                 </a:solidFill>
               </a:rPr>
-              <a:t>    </a:t>
+              <a:t> = </a:t>
             </a:r>
             <a:r>
               <a:rPr lang="en-US" sz="2600" dirty="0" err="1" smtClean="0">
@@ -4204,7 +4310,7 @@
                   <a:srgbClr val="C00000"/>
                 </a:solidFill>
               </a:rPr>
-              <a:t>mySpeeed</a:t>
+              <a:t>mySpeed</a:t>
             </a:r>
             <a:r>
               <a:rPr lang="en-US" sz="2600" dirty="0" smtClean="0">
@@ -4212,7 +4318,20 @@
                   <a:srgbClr val="C00000"/>
                 </a:solidFill>
               </a:rPr>
-              <a:t> = </a:t>
+              <a:t> - 5</a:t>
+            </a:r>
+          </a:p>
+          <a:p>
+            <a:pPr>
+              <a:buNone/>
+            </a:pPr>
+            <a:r>
+              <a:rPr lang="en-US" sz="2600" dirty="0" smtClean="0">
+                <a:solidFill>
+                  <a:srgbClr val="C00000"/>
+                </a:solidFill>
+              </a:rPr>
+              <a:t>		    </a:t>
             </a:r>
             <a:r>
               <a:rPr lang="en-US" sz="2600" dirty="0" err="1" smtClean="0">
@@ -4220,7 +4339,7 @@
                   <a:srgbClr val="C00000"/>
                 </a:solidFill>
               </a:rPr>
-              <a:t>mySpeed</a:t>
+              <a:t>ticketPossible</a:t>
             </a:r>
             <a:r>
               <a:rPr lang="en-US" sz="2600" dirty="0" smtClean="0">
@@ -4228,7 +4347,7 @@
                   <a:srgbClr val="C00000"/>
                 </a:solidFill>
               </a:rPr>
-              <a:t> + 5</a:t>
+              <a:t> = False</a:t>
             </a:r>
           </a:p>
           <a:p>
@@ -4238,195 +4357,10 @@
             <a:r>
               <a:rPr lang="en-US" sz="2600" dirty="0" smtClean="0">
                 <a:solidFill>
-                  <a:srgbClr val="C00000"/>
-                </a:solidFill>
-              </a:rPr>
-              <a:t>	</a:t>
-            </a:r>
-            <a:r>
-              <a:rPr lang="en-US" sz="2600" dirty="0" smtClean="0">
-                <a:solidFill>
-                  <a:srgbClr val="C00000"/>
-                </a:solidFill>
-              </a:rPr>
-              <a:t>	    </a:t>
-            </a:r>
-            <a:r>
-              <a:rPr lang="en-US" sz="2600" dirty="0" err="1" smtClean="0">
-                <a:solidFill>
-                  <a:srgbClr val="C00000"/>
-                </a:solidFill>
-              </a:rPr>
-              <a:t>ticketPossible</a:t>
-            </a:r>
-            <a:r>
-              <a:rPr lang="en-US" sz="2600" dirty="0" smtClean="0">
-                <a:solidFill>
-                  <a:srgbClr val="C00000"/>
-                </a:solidFill>
-              </a:rPr>
-              <a:t> = True</a:t>
-            </a:r>
-          </a:p>
-          <a:p>
-            <a:pPr>
-              <a:buNone/>
-            </a:pPr>
-            <a:r>
-              <a:rPr lang="en-US" sz="2600" dirty="0" smtClean="0">
-                <a:solidFill>
-                  <a:srgbClr val="002060"/>
-                </a:solidFill>
-              </a:rPr>
-              <a:t>	</a:t>
-            </a:r>
-            <a:r>
-              <a:rPr lang="en-US" sz="2600" dirty="0" smtClean="0">
-                <a:solidFill>
-                  <a:srgbClr val="002060"/>
-                </a:solidFill>
-              </a:rPr>
-              <a:t>	</a:t>
-            </a:r>
-            <a:r>
-              <a:rPr lang="en-US" sz="2600" b="1" dirty="0" smtClean="0">
-                <a:solidFill>
-                  <a:srgbClr val="002060"/>
-                </a:solidFill>
-              </a:rPr>
-              <a:t>else :</a:t>
-            </a:r>
-          </a:p>
-          <a:p>
-            <a:pPr>
-              <a:buNone/>
-            </a:pPr>
-            <a:r>
-              <a:rPr lang="en-US" sz="2600" dirty="0" smtClean="0">
-                <a:solidFill>
-                  <a:srgbClr val="002060"/>
-                </a:solidFill>
-              </a:rPr>
-              <a:t>		</a:t>
-            </a:r>
-            <a:r>
-              <a:rPr lang="en-US" sz="2600" dirty="0" smtClean="0">
-                <a:solidFill>
-                  <a:srgbClr val="C00000"/>
-                </a:solidFill>
-              </a:rPr>
-              <a:t>    </a:t>
-            </a:r>
-            <a:r>
-              <a:rPr lang="en-US" sz="2600" dirty="0" err="1" smtClean="0">
-                <a:solidFill>
-                  <a:srgbClr val="C00000"/>
-                </a:solidFill>
-              </a:rPr>
-              <a:t>mySpeeed</a:t>
-            </a:r>
-            <a:r>
-              <a:rPr lang="en-US" sz="2600" dirty="0" smtClean="0">
-                <a:solidFill>
-                  <a:srgbClr val="C00000"/>
-                </a:solidFill>
-              </a:rPr>
-              <a:t> = </a:t>
-            </a:r>
-            <a:r>
-              <a:rPr lang="en-US" sz="2600" dirty="0" err="1" smtClean="0">
-                <a:solidFill>
-                  <a:srgbClr val="C00000"/>
-                </a:solidFill>
-              </a:rPr>
-              <a:t>mySpeed</a:t>
-            </a:r>
-            <a:r>
-              <a:rPr lang="en-US" sz="2600" dirty="0" smtClean="0">
-                <a:solidFill>
-                  <a:srgbClr val="C00000"/>
-                </a:solidFill>
-              </a:rPr>
-              <a:t> </a:t>
-            </a:r>
-            <a:r>
-              <a:rPr lang="en-US" sz="2600" dirty="0" smtClean="0">
-                <a:solidFill>
-                  <a:srgbClr val="C00000"/>
-                </a:solidFill>
-              </a:rPr>
-              <a:t>- </a:t>
-            </a:r>
-            <a:r>
-              <a:rPr lang="en-US" sz="2600" dirty="0" smtClean="0">
-                <a:solidFill>
-                  <a:srgbClr val="C00000"/>
-                </a:solidFill>
-              </a:rPr>
-              <a:t>5</a:t>
-            </a:r>
-          </a:p>
-          <a:p>
-            <a:pPr>
-              <a:buNone/>
-            </a:pPr>
-            <a:r>
-              <a:rPr lang="en-US" sz="2600" dirty="0" smtClean="0">
-                <a:solidFill>
-                  <a:srgbClr val="C00000"/>
-                </a:solidFill>
-              </a:rPr>
-              <a:t>		    </a:t>
-            </a:r>
-            <a:r>
-              <a:rPr lang="en-US" sz="2600" dirty="0" err="1" smtClean="0">
-                <a:solidFill>
-                  <a:srgbClr val="C00000"/>
-                </a:solidFill>
-              </a:rPr>
-              <a:t>ticketPossible</a:t>
-            </a:r>
-            <a:r>
-              <a:rPr lang="en-US" sz="2600" dirty="0" smtClean="0">
-                <a:solidFill>
-                  <a:srgbClr val="C00000"/>
-                </a:solidFill>
-              </a:rPr>
-              <a:t> = </a:t>
-            </a:r>
-            <a:r>
-              <a:rPr lang="en-US" sz="2600" dirty="0" smtClean="0">
-                <a:solidFill>
-                  <a:srgbClr val="C00000"/>
-                </a:solidFill>
-              </a:rPr>
-              <a:t>False</a:t>
-            </a:r>
-            <a:endParaRPr lang="en-US" sz="2600" dirty="0" smtClean="0">
-              <a:solidFill>
-                <a:srgbClr val="C00000"/>
-              </a:solidFill>
-            </a:endParaRPr>
-          </a:p>
-          <a:p>
-            <a:pPr>
-              <a:buNone/>
-            </a:pPr>
-            <a:r>
-              <a:rPr lang="en-US" sz="2600" dirty="0" smtClean="0">
-                <a:solidFill>
-                  <a:srgbClr val="002060"/>
-                </a:solidFill>
-              </a:rPr>
-              <a:t>	</a:t>
-            </a:r>
-            <a:r>
-              <a:rPr lang="en-US" sz="2600" dirty="0" smtClean="0">
-                <a:solidFill>
-                  <a:srgbClr val="002060"/>
-                </a:solidFill>
-              </a:rPr>
-              <a:t>	print(</a:t>
+                  <a:srgbClr val="002060"/>
+                </a:solidFill>
+              </a:rPr>
+              <a:t>		print(</a:t>
             </a:r>
             <a:r>
               <a:rPr lang="en-US" sz="2600" dirty="0" err="1" smtClean="0">
@@ -4456,11 +4390,7 @@
           <a:p>
             <a:r>
               <a:rPr lang="en-US" dirty="0" smtClean="0"/>
-              <a:t>ELSE</a:t>
-            </a:r>
-            <a:r>
-              <a:rPr lang="en-US" dirty="0" smtClean="0"/>
-              <a:t> statements add alternative making and control to computer programs.</a:t>
+              <a:t>ELSE statements add alternative making and control to computer programs.</a:t>
             </a:r>
           </a:p>
           <a:p>
@@ -4492,6 +4422,13 @@
   <p:clrMapOvr>
     <a:masterClrMapping/>
   </p:clrMapOvr>
+  <p:timing>
+    <p:tnLst>
+      <p:par>
+        <p:cTn id="1" dur="indefinite" restart="never" nodeType="tmRoot"/>
+      </p:par>
+    </p:tnLst>
+  </p:timing>
 </p:sld>
 </file>
 
@@ -4529,15 +4466,7 @@
           <a:p>
             <a:r>
               <a:rPr lang="en-US" dirty="0" smtClean="0"/>
-              <a:t>ELIF - Cascading IF</a:t>
-            </a:r>
-            <a:r>
-              <a:rPr lang="en-US" dirty="0" smtClean="0"/>
-              <a:t> </a:t>
-            </a:r>
-            <a:r>
-              <a:rPr lang="en-US" dirty="0" smtClean="0"/>
-              <a:t>Statements </a:t>
+              <a:t>ELIF - Cascading IF Statements </a:t>
             </a:r>
             <a:endParaRPr lang="en-US" dirty="0"/>
           </a:p>
@@ -4571,11 +4500,7 @@
             </a:pPr>
             <a:r>
               <a:rPr lang="en-US" dirty="0" smtClean="0"/>
-              <a:t>	</a:t>
-            </a:r>
-            <a:r>
-              <a:rPr lang="en-US" dirty="0" smtClean="0"/>
-              <a:t>	</a:t>
+              <a:t>		</a:t>
             </a:r>
             <a:r>
               <a:rPr lang="en-US" sz="2600" dirty="0" err="1" smtClean="0">
@@ -4604,7 +4529,15 @@
                   <a:srgbClr val="002060"/>
                 </a:solidFill>
               </a:rPr>
-              <a:t>	</a:t>
+              <a:t>		</a:t>
+            </a:r>
+            <a:r>
+              <a:rPr lang="en-US" sz="2600" b="1" dirty="0" smtClean="0">
+                <a:solidFill>
+                  <a:srgbClr val="002060"/>
+                </a:solidFill>
+              </a:rPr>
+              <a:t>if</a:t>
             </a:r>
             <a:r>
               <a:rPr lang="en-US" sz="2600" dirty="0" smtClean="0">
@@ -4612,7 +4545,192 @@
                   <a:srgbClr val="002060"/>
                 </a:solidFill>
               </a:rPr>
-              <a:t>	</a:t>
+              <a:t> (</a:t>
+            </a:r>
+            <a:r>
+              <a:rPr lang="en-US" sz="2600" dirty="0" err="1" smtClean="0">
+                <a:solidFill>
+                  <a:srgbClr val="002060"/>
+                </a:solidFill>
+              </a:rPr>
+              <a:t>isAcceleration</a:t>
+            </a:r>
+            <a:r>
+              <a:rPr lang="en-US" sz="2600" dirty="0" smtClean="0">
+                <a:solidFill>
+                  <a:srgbClr val="002060"/>
+                </a:solidFill>
+              </a:rPr>
+              <a:t> == True) :</a:t>
+            </a:r>
+          </a:p>
+          <a:p>
+            <a:pPr>
+              <a:buNone/>
+            </a:pPr>
+            <a:r>
+              <a:rPr lang="en-US" sz="2600" dirty="0" smtClean="0">
+                <a:solidFill>
+                  <a:srgbClr val="002060"/>
+                </a:solidFill>
+              </a:rPr>
+              <a:t>		</a:t>
+            </a:r>
+            <a:r>
+              <a:rPr lang="en-US" sz="2600" dirty="0" smtClean="0">
+                <a:solidFill>
+                  <a:srgbClr val="C00000"/>
+                </a:solidFill>
+              </a:rPr>
+              <a:t>    </a:t>
+            </a:r>
+            <a:r>
+              <a:rPr lang="en-US" sz="2600" dirty="0" err="1" smtClean="0">
+                <a:solidFill>
+                  <a:srgbClr val="C00000"/>
+                </a:solidFill>
+              </a:rPr>
+              <a:t>mySpeeed</a:t>
+            </a:r>
+            <a:r>
+              <a:rPr lang="en-US" sz="2600" dirty="0" smtClean="0">
+                <a:solidFill>
+                  <a:srgbClr val="C00000"/>
+                </a:solidFill>
+              </a:rPr>
+              <a:t> = </a:t>
+            </a:r>
+            <a:r>
+              <a:rPr lang="en-US" sz="2600" dirty="0" err="1" smtClean="0">
+                <a:solidFill>
+                  <a:srgbClr val="C00000"/>
+                </a:solidFill>
+              </a:rPr>
+              <a:t>mySpeed</a:t>
+            </a:r>
+            <a:r>
+              <a:rPr lang="en-US" sz="2600" dirty="0" smtClean="0">
+                <a:solidFill>
+                  <a:srgbClr val="C00000"/>
+                </a:solidFill>
+              </a:rPr>
+              <a:t> + 5</a:t>
+            </a:r>
+          </a:p>
+          <a:p>
+            <a:pPr>
+              <a:buNone/>
+            </a:pPr>
+            <a:r>
+              <a:rPr lang="en-US" sz="2600" dirty="0" smtClean="0">
+                <a:solidFill>
+                  <a:srgbClr val="C00000"/>
+                </a:solidFill>
+              </a:rPr>
+              <a:t>		    </a:t>
+            </a:r>
+            <a:r>
+              <a:rPr lang="en-US" sz="2600" dirty="0" err="1" smtClean="0">
+                <a:solidFill>
+                  <a:srgbClr val="C00000"/>
+                </a:solidFill>
+              </a:rPr>
+              <a:t>ticketPossible</a:t>
+            </a:r>
+            <a:r>
+              <a:rPr lang="en-US" sz="2600" dirty="0" smtClean="0">
+                <a:solidFill>
+                  <a:srgbClr val="C00000"/>
+                </a:solidFill>
+              </a:rPr>
+              <a:t> = True</a:t>
+            </a:r>
+          </a:p>
+          <a:p>
+            <a:pPr>
+              <a:buNone/>
+            </a:pPr>
+            <a:r>
+              <a:rPr lang="en-US" sz="2600" dirty="0" smtClean="0">
+                <a:solidFill>
+                  <a:srgbClr val="002060"/>
+                </a:solidFill>
+              </a:rPr>
+              <a:t>		</a:t>
+            </a:r>
+            <a:r>
+              <a:rPr lang="en-US" sz="2600" b="1" dirty="0" err="1" smtClean="0">
+                <a:solidFill>
+                  <a:srgbClr val="002060"/>
+                </a:solidFill>
+              </a:rPr>
+              <a:t>elif</a:t>
+            </a:r>
+            <a:r>
+              <a:rPr lang="en-US" sz="2600" dirty="0" smtClean="0">
+                <a:solidFill>
+                  <a:srgbClr val="002060"/>
+                </a:solidFill>
+              </a:rPr>
+              <a:t> (</a:t>
+            </a:r>
+            <a:r>
+              <a:rPr lang="en-US" sz="2600" dirty="0" err="1" smtClean="0">
+                <a:solidFill>
+                  <a:srgbClr val="002060"/>
+                </a:solidFill>
+              </a:rPr>
+              <a:t>mySpeed</a:t>
+            </a:r>
+            <a:r>
+              <a:rPr lang="en-US" sz="2600" dirty="0" smtClean="0">
+                <a:solidFill>
+                  <a:srgbClr val="002060"/>
+                </a:solidFill>
+              </a:rPr>
+              <a:t> &gt;= 25) :</a:t>
+            </a:r>
+          </a:p>
+          <a:p>
+            <a:pPr>
+              <a:buNone/>
+            </a:pPr>
+            <a:r>
+              <a:rPr lang="en-US" sz="2600" dirty="0" smtClean="0">
+                <a:solidFill>
+                  <a:srgbClr val="002060"/>
+                </a:solidFill>
+              </a:rPr>
+              <a:t>		    </a:t>
+            </a:r>
+            <a:r>
+              <a:rPr lang="en-US" sz="2600" dirty="0" err="1" smtClean="0">
+                <a:solidFill>
+                  <a:srgbClr val="C00000"/>
+                </a:solidFill>
+              </a:rPr>
+              <a:t>ticketForSure</a:t>
+            </a:r>
+            <a:r>
+              <a:rPr lang="en-US" sz="2600" dirty="0" smtClean="0">
+                <a:solidFill>
+                  <a:srgbClr val="C00000"/>
+                </a:solidFill>
+              </a:rPr>
+              <a:t> = True</a:t>
+            </a:r>
+          </a:p>
+          <a:p>
+            <a:pPr>
+              <a:buNone/>
+            </a:pPr>
+            <a:r>
+              <a:rPr lang="en-US" sz="2600" dirty="0" smtClean="0">
+                <a:solidFill>
+                  <a:srgbClr val="002060"/>
+                </a:solidFill>
+              </a:rPr>
+              <a:t>		</a:t>
             </a:r>
             <a:r>
               <a:rPr lang="en-US" sz="2600" b="1" dirty="0" smtClean="0">
@@ -4620,7 +4738,7 @@
                   <a:srgbClr val="002060"/>
                 </a:solidFill>
               </a:rPr>
-              <a:t>if</a:t>
+              <a:t>else</a:t>
             </a:r>
             <a:r>
               <a:rPr lang="en-US" sz="2600" dirty="0" smtClean="0">
@@ -4628,23 +4746,68 @@
                   <a:srgbClr val="002060"/>
                 </a:solidFill>
               </a:rPr>
-              <a:t> (</a:t>
+              <a:t> </a:t>
+            </a:r>
+            <a:r>
+              <a:rPr lang="en-US" sz="2600" b="1" dirty="0" smtClean="0">
+                <a:solidFill>
+                  <a:srgbClr val="002060"/>
+                </a:solidFill>
+              </a:rPr>
+              <a:t>:</a:t>
+            </a:r>
+          </a:p>
+          <a:p>
+            <a:pPr>
+              <a:buNone/>
+            </a:pPr>
+            <a:r>
+              <a:rPr lang="en-US" sz="2600" dirty="0" smtClean="0">
+                <a:solidFill>
+                  <a:srgbClr val="002060"/>
+                </a:solidFill>
+              </a:rPr>
+              <a:t>		</a:t>
+            </a:r>
+            <a:r>
+              <a:rPr lang="en-US" sz="2600" dirty="0" smtClean="0">
+                <a:solidFill>
+                  <a:srgbClr val="C00000"/>
+                </a:solidFill>
+              </a:rPr>
+              <a:t>    </a:t>
             </a:r>
             <a:r>
               <a:rPr lang="en-US" sz="2600" dirty="0" err="1" smtClean="0">
                 <a:solidFill>
-                  <a:srgbClr val="002060"/>
-                </a:solidFill>
-              </a:rPr>
-              <a:t>isAcceleration</a:t>
+                  <a:srgbClr val="C00000"/>
+                </a:solidFill>
+              </a:rPr>
+              <a:t>mySpeeed</a:t>
             </a:r>
             <a:r>
               <a:rPr lang="en-US" sz="2600" dirty="0" smtClean="0">
                 <a:solidFill>
-                  <a:srgbClr val="002060"/>
-                </a:solidFill>
-              </a:rPr>
-              <a:t> == True) :</a:t>
+                  <a:srgbClr val="C00000"/>
+                </a:solidFill>
+              </a:rPr>
+              <a:t> = </a:t>
+            </a:r>
+            <a:r>
+              <a:rPr lang="en-US" sz="2600" dirty="0" err="1" smtClean="0">
+                <a:solidFill>
+                  <a:srgbClr val="C00000"/>
+                </a:solidFill>
+              </a:rPr>
+              <a:t>mySpeed</a:t>
+            </a:r>
+            <a:r>
+              <a:rPr lang="en-US" sz="2600" dirty="0" smtClean="0">
+                <a:solidFill>
+                  <a:srgbClr val="C00000"/>
+                </a:solidFill>
+              </a:rPr>
+              <a:t> - 5</a:t>
             </a:r>
           </a:p>
           <a:p>
@@ -4654,367 +4817,39 @@
             <a:r>
               <a:rPr lang="en-US" sz="2600" dirty="0" smtClean="0">
                 <a:solidFill>
-                  <a:srgbClr val="002060"/>
-                </a:solidFill>
-              </a:rPr>
-              <a:t>	</a:t>
+                  <a:srgbClr val="C00000"/>
+                </a:solidFill>
+              </a:rPr>
+              <a:t>		    </a:t>
+            </a:r>
+            <a:r>
+              <a:rPr lang="en-US" sz="2600" dirty="0" err="1" smtClean="0">
+                <a:solidFill>
+                  <a:srgbClr val="C00000"/>
+                </a:solidFill>
+              </a:rPr>
+              <a:t>ticketPossible</a:t>
             </a:r>
             <a:r>
               <a:rPr lang="en-US" sz="2600" dirty="0" smtClean="0">
                 <a:solidFill>
-                  <a:srgbClr val="002060"/>
-                </a:solidFill>
-              </a:rPr>
-              <a:t>	</a:t>
-            </a:r>
+                  <a:srgbClr val="C00000"/>
+                </a:solidFill>
+              </a:rPr>
+              <a:t> = False</a:t>
+            </a:r>
+          </a:p>
+          <a:p>
+            <a:pPr>
+              <a:buNone/>
+            </a:pPr>
             <a:r>
               <a:rPr lang="en-US" sz="2600" dirty="0" smtClean="0">
                 <a:solidFill>
-                  <a:srgbClr val="C00000"/>
-                </a:solidFill>
-              </a:rPr>
-              <a:t>    </a:t>
-            </a:r>
-            <a:r>
-              <a:rPr lang="en-US" sz="2600" dirty="0" err="1" smtClean="0">
-                <a:solidFill>
-                  <a:srgbClr val="C00000"/>
-                </a:solidFill>
-              </a:rPr>
-              <a:t>mySpeeed</a:t>
-            </a:r>
-            <a:r>
-              <a:rPr lang="en-US" sz="2600" dirty="0" smtClean="0">
-                <a:solidFill>
-                  <a:srgbClr val="C00000"/>
-                </a:solidFill>
-              </a:rPr>
-              <a:t> = </a:t>
-            </a:r>
-            <a:r>
-              <a:rPr lang="en-US" sz="2600" dirty="0" err="1" smtClean="0">
-                <a:solidFill>
-                  <a:srgbClr val="C00000"/>
-                </a:solidFill>
-              </a:rPr>
-              <a:t>mySpeed</a:t>
-            </a:r>
-            <a:r>
-              <a:rPr lang="en-US" sz="2600" dirty="0" smtClean="0">
-                <a:solidFill>
-                  <a:srgbClr val="C00000"/>
-                </a:solidFill>
-              </a:rPr>
-              <a:t> + 5</a:t>
-            </a:r>
-          </a:p>
-          <a:p>
-            <a:pPr>
-              <a:buNone/>
-            </a:pPr>
-            <a:r>
-              <a:rPr lang="en-US" sz="2600" dirty="0" smtClean="0">
-                <a:solidFill>
-                  <a:srgbClr val="C00000"/>
-                </a:solidFill>
-              </a:rPr>
-              <a:t>	</a:t>
-            </a:r>
-            <a:r>
-              <a:rPr lang="en-US" sz="2600" dirty="0" smtClean="0">
-                <a:solidFill>
-                  <a:srgbClr val="C00000"/>
-                </a:solidFill>
-              </a:rPr>
-              <a:t>	    </a:t>
-            </a:r>
-            <a:r>
-              <a:rPr lang="en-US" sz="2600" dirty="0" err="1" smtClean="0">
-                <a:solidFill>
-                  <a:srgbClr val="C00000"/>
-                </a:solidFill>
-              </a:rPr>
-              <a:t>ticketPossible</a:t>
-            </a:r>
-            <a:r>
-              <a:rPr lang="en-US" sz="2600" dirty="0" smtClean="0">
-                <a:solidFill>
-                  <a:srgbClr val="C00000"/>
-                </a:solidFill>
-              </a:rPr>
-              <a:t> = True</a:t>
-            </a:r>
-          </a:p>
-          <a:p>
-            <a:pPr>
-              <a:buNone/>
-            </a:pPr>
-            <a:r>
-              <a:rPr lang="en-US" sz="2600" dirty="0" smtClean="0">
-                <a:solidFill>
-                  <a:srgbClr val="002060"/>
-                </a:solidFill>
-              </a:rPr>
-              <a:t>	</a:t>
-            </a:r>
-            <a:r>
-              <a:rPr lang="en-US" sz="2600" dirty="0" smtClean="0">
-                <a:solidFill>
-                  <a:srgbClr val="002060"/>
-                </a:solidFill>
-              </a:rPr>
-              <a:t>	</a:t>
-            </a:r>
-            <a:r>
-              <a:rPr lang="en-US" sz="2600" b="1" dirty="0" err="1" smtClean="0">
-                <a:solidFill>
-                  <a:srgbClr val="002060"/>
-                </a:solidFill>
-              </a:rPr>
-              <a:t>elif</a:t>
-            </a:r>
-            <a:r>
-              <a:rPr lang="en-US" sz="2600" dirty="0" smtClean="0">
-                <a:solidFill>
-                  <a:srgbClr val="002060"/>
-                </a:solidFill>
-              </a:rPr>
-              <a:t> (</a:t>
-            </a:r>
-            <a:r>
-              <a:rPr lang="en-US" sz="2600" dirty="0" err="1" smtClean="0">
-                <a:solidFill>
-                  <a:srgbClr val="002060"/>
-                </a:solidFill>
-              </a:rPr>
-              <a:t>mySpeed</a:t>
-            </a:r>
-            <a:r>
-              <a:rPr lang="en-US" sz="2600" dirty="0" smtClean="0">
-                <a:solidFill>
-                  <a:srgbClr val="002060"/>
-                </a:solidFill>
-              </a:rPr>
-              <a:t> &gt;= 25) :</a:t>
-            </a:r>
-          </a:p>
-          <a:p>
-            <a:pPr>
-              <a:buNone/>
-            </a:pPr>
-            <a:r>
-              <a:rPr lang="en-US" sz="2600" dirty="0" smtClean="0">
-                <a:solidFill>
-                  <a:srgbClr val="002060"/>
-                </a:solidFill>
-              </a:rPr>
-              <a:t>	</a:t>
-            </a:r>
-            <a:r>
-              <a:rPr lang="en-US" sz="2600" dirty="0" smtClean="0">
-                <a:solidFill>
-                  <a:srgbClr val="002060"/>
-                </a:solidFill>
-              </a:rPr>
-              <a:t>	    </a:t>
-            </a:r>
-            <a:r>
-              <a:rPr lang="en-US" sz="2600" dirty="0" err="1" smtClean="0">
-                <a:solidFill>
-                  <a:srgbClr val="C00000"/>
-                </a:solidFill>
-              </a:rPr>
-              <a:t>ticketForSure</a:t>
-            </a:r>
-            <a:r>
-              <a:rPr lang="en-US" sz="2600" dirty="0" smtClean="0">
-                <a:solidFill>
-                  <a:srgbClr val="C00000"/>
-                </a:solidFill>
-              </a:rPr>
-              <a:t> = True</a:t>
-            </a:r>
-            <a:endParaRPr lang="en-US" sz="2600" dirty="0" smtClean="0">
-              <a:solidFill>
-                <a:srgbClr val="C00000"/>
-              </a:solidFill>
-            </a:endParaRPr>
-          </a:p>
-          <a:p>
-            <a:pPr>
-              <a:buNone/>
-            </a:pPr>
-            <a:r>
-              <a:rPr lang="en-US" sz="2600" dirty="0" smtClean="0">
-                <a:solidFill>
-                  <a:srgbClr val="002060"/>
-                </a:solidFill>
-              </a:rPr>
-              <a:t>	</a:t>
-            </a:r>
-            <a:r>
-              <a:rPr lang="en-US" sz="2600" dirty="0" smtClean="0">
-                <a:solidFill>
-                  <a:srgbClr val="002060"/>
-                </a:solidFill>
-              </a:rPr>
-              <a:t>	</a:t>
-            </a:r>
-            <a:r>
-              <a:rPr lang="en-US" sz="2600" b="1" dirty="0" smtClean="0">
-                <a:solidFill>
-                  <a:srgbClr val="002060"/>
-                </a:solidFill>
-              </a:rPr>
-              <a:t>else</a:t>
-            </a:r>
-            <a:r>
-              <a:rPr lang="en-US" sz="2600" dirty="0" smtClean="0">
-                <a:solidFill>
-                  <a:srgbClr val="002060"/>
-                </a:solidFill>
-              </a:rPr>
-              <a:t> </a:t>
-            </a:r>
-            <a:r>
-              <a:rPr lang="en-US" sz="2600" b="1" dirty="0" smtClean="0">
-                <a:solidFill>
-                  <a:srgbClr val="002060"/>
-                </a:solidFill>
-              </a:rPr>
-              <a:t>:</a:t>
-            </a:r>
-          </a:p>
-          <a:p>
-            <a:pPr>
-              <a:buNone/>
-            </a:pPr>
-            <a:r>
-              <a:rPr lang="en-US" sz="2600" dirty="0" smtClean="0">
-                <a:solidFill>
-                  <a:srgbClr val="002060"/>
-                </a:solidFill>
-              </a:rPr>
-              <a:t>		</a:t>
-            </a:r>
-            <a:r>
-              <a:rPr lang="en-US" sz="2600" dirty="0" smtClean="0">
-                <a:solidFill>
-                  <a:srgbClr val="C00000"/>
-                </a:solidFill>
-              </a:rPr>
-              <a:t>    </a:t>
-            </a:r>
-            <a:r>
-              <a:rPr lang="en-US" sz="2600" dirty="0" err="1" smtClean="0">
-                <a:solidFill>
-                  <a:srgbClr val="C00000"/>
-                </a:solidFill>
-              </a:rPr>
-              <a:t>mySpeeed</a:t>
-            </a:r>
-            <a:r>
-              <a:rPr lang="en-US" sz="2600" dirty="0" smtClean="0">
-                <a:solidFill>
-                  <a:srgbClr val="C00000"/>
-                </a:solidFill>
-              </a:rPr>
-              <a:t> = </a:t>
-            </a:r>
-            <a:r>
-              <a:rPr lang="en-US" sz="2600" dirty="0" err="1" smtClean="0">
-                <a:solidFill>
-                  <a:srgbClr val="C00000"/>
-                </a:solidFill>
-              </a:rPr>
-              <a:t>mySpeed</a:t>
-            </a:r>
-            <a:r>
-              <a:rPr lang="en-US" sz="2600" dirty="0" smtClean="0">
-                <a:solidFill>
-                  <a:srgbClr val="C00000"/>
-                </a:solidFill>
-              </a:rPr>
-              <a:t> </a:t>
-            </a:r>
-            <a:r>
-              <a:rPr lang="en-US" sz="2600" dirty="0" smtClean="0">
-                <a:solidFill>
-                  <a:srgbClr val="C00000"/>
-                </a:solidFill>
-              </a:rPr>
-              <a:t>- </a:t>
-            </a:r>
-            <a:r>
-              <a:rPr lang="en-US" sz="2600" dirty="0" smtClean="0">
-                <a:solidFill>
-                  <a:srgbClr val="C00000"/>
-                </a:solidFill>
-              </a:rPr>
-              <a:t>5</a:t>
-            </a:r>
-          </a:p>
-          <a:p>
-            <a:pPr>
-              <a:buNone/>
-            </a:pPr>
-            <a:r>
-              <a:rPr lang="en-US" sz="2600" dirty="0" smtClean="0">
-                <a:solidFill>
-                  <a:srgbClr val="C00000"/>
-                </a:solidFill>
-              </a:rPr>
-              <a:t>		    </a:t>
-            </a:r>
-            <a:r>
-              <a:rPr lang="en-US" sz="2600" dirty="0" err="1" smtClean="0">
-                <a:solidFill>
-                  <a:srgbClr val="C00000"/>
-                </a:solidFill>
-              </a:rPr>
-              <a:t>ticketPossible</a:t>
-            </a:r>
-            <a:r>
-              <a:rPr lang="en-US" sz="2600" dirty="0" smtClean="0">
-                <a:solidFill>
-                  <a:srgbClr val="C00000"/>
-                </a:solidFill>
-              </a:rPr>
-              <a:t> = </a:t>
-            </a:r>
-            <a:r>
-              <a:rPr lang="en-US" sz="2600" dirty="0" smtClean="0">
-                <a:solidFill>
-                  <a:srgbClr val="C00000"/>
-                </a:solidFill>
-              </a:rPr>
-              <a:t>False</a:t>
-            </a:r>
-            <a:endParaRPr lang="en-US" sz="2600" dirty="0" smtClean="0">
-              <a:solidFill>
-                <a:srgbClr val="C00000"/>
-              </a:solidFill>
-            </a:endParaRPr>
-          </a:p>
-          <a:p>
-            <a:pPr>
-              <a:buNone/>
-            </a:pPr>
-            <a:r>
-              <a:rPr lang="en-US" sz="2600" dirty="0" smtClean="0">
-                <a:solidFill>
-                  <a:srgbClr val="002060"/>
-                </a:solidFill>
-              </a:rPr>
-              <a:t>	</a:t>
-            </a:r>
-            <a:r>
-              <a:rPr lang="en-US" sz="2600" dirty="0" smtClean="0">
-                <a:solidFill>
-                  <a:srgbClr val="002060"/>
-                </a:solidFill>
-              </a:rPr>
-              <a:t>	print(</a:t>
+                  <a:srgbClr val="002060"/>
+                </a:solidFill>
+              </a:rPr>
+              <a:t>		print(</a:t>
             </a:r>
             <a:r>
               <a:rPr lang="en-US" sz="2600" dirty="0" err="1" smtClean="0">
@@ -5044,22 +4879,14 @@
           <a:p>
             <a:r>
               <a:rPr lang="en-US" dirty="0" smtClean="0"/>
-              <a:t>ELIF </a:t>
-            </a:r>
-            <a:r>
-              <a:rPr lang="en-US" dirty="0" smtClean="0"/>
-              <a:t>statements add many alternative choices in computer programs.</a:t>
+              <a:t>ELIF statements add many alternative choices in computer programs.</a:t>
             </a:r>
           </a:p>
           <a:p>
             <a:pPr lvl="1"/>
             <a:r>
               <a:rPr lang="en-US" i="1" u="sng" dirty="0" smtClean="0"/>
-              <a:t>O</a:t>
-            </a:r>
-            <a:r>
-              <a:rPr lang="en-US" i="1" u="sng" dirty="0" smtClean="0"/>
-              <a:t>nly</a:t>
+              <a:t>Only</a:t>
             </a:r>
             <a:r>
               <a:rPr lang="en-US" dirty="0" smtClean="0"/>
@@ -5085,6 +4912,13 @@
   <p:clrMapOvr>
     <a:masterClrMapping/>
   </p:clrMapOvr>
+  <p:timing>
+    <p:tnLst>
+      <p:par>
+        <p:cTn id="1" dur="indefinite" restart="never" nodeType="tmRoot"/>
+      </p:par>
+    </p:tnLst>
+  </p:timing>
 </p:sld>
 </file>
 
@@ -5173,11 +5007,7 @@
             </a:pPr>
             <a:r>
               <a:rPr lang="en-US" sz="2400" dirty="0" smtClean="0"/>
-              <a:t>	</a:t>
-            </a:r>
-            <a:r>
-              <a:rPr lang="en-US" sz="2400" dirty="0" smtClean="0"/>
-              <a:t>	</a:t>
+              <a:t>		</a:t>
             </a:r>
             <a:r>
               <a:rPr lang="en-US" sz="2400" b="1" dirty="0" smtClean="0">
@@ -5209,7 +5039,19 @@
             </a:r>
             <a:r>
               <a:rPr lang="en-US" sz="2400" dirty="0" smtClean="0"/>
-              <a:t> ["red", "green", 'blue"] </a:t>
+              <a:t> ["red", "green</a:t>
+            </a:r>
+            <a:r>
+              <a:rPr lang="en-US" sz="2400" smtClean="0"/>
+              <a:t>", </a:t>
+            </a:r>
+            <a:r>
+              <a:rPr lang="en-US" sz="2400" smtClean="0"/>
+              <a:t>"blue</a:t>
+            </a:r>
+            <a:r>
+              <a:rPr lang="en-US" sz="2400" dirty="0" smtClean="0"/>
+              <a:t>"] </a:t>
             </a:r>
             <a:r>
               <a:rPr lang="en-US" sz="2400" b="1" dirty="0" smtClean="0">
@@ -5226,11 +5068,7 @@
             </a:pPr>
             <a:r>
               <a:rPr lang="en-US" sz="2400" dirty="0" smtClean="0"/>
-              <a:t>	</a:t>
-            </a:r>
-            <a:r>
-              <a:rPr lang="en-US" sz="2400" dirty="0" smtClean="0"/>
-              <a:t>	    </a:t>
+              <a:t>		    </a:t>
             </a:r>
             <a:r>
               <a:rPr lang="en-US" sz="2400" dirty="0" smtClean="0">
@@ -5280,21 +5118,8 @@
                   <a:srgbClr val="C00000"/>
                 </a:solidFill>
               </a:rPr>
-              <a:t>	</a:t>
-            </a:r>
-            <a:r>
-              <a:rPr lang="en-US" sz="2400" dirty="0" smtClean="0">
-                <a:solidFill>
-                  <a:srgbClr val="C00000"/>
-                </a:solidFill>
-              </a:rPr>
-              <a:t>	    print(message)</a:t>
-            </a:r>
-            <a:endParaRPr lang="en-US" sz="2400" dirty="0" smtClean="0">
-              <a:solidFill>
-                <a:srgbClr val="C00000"/>
-              </a:solidFill>
-            </a:endParaRPr>
+              <a:t>		    print(message)</a:t>
+            </a:r>
           </a:p>
           <a:p>
             <a:endParaRPr lang="en-US" dirty="0" smtClean="0"/>
@@ -5398,15 +5223,7 @@
           <a:p>
             <a:r>
               <a:rPr lang="en-US" dirty="0" smtClean="0"/>
-              <a:t>A </a:t>
-            </a:r>
-            <a:r>
-              <a:rPr lang="en-US" dirty="0" smtClean="0"/>
-              <a:t>Conditional </a:t>
-            </a:r>
-            <a:r>
-              <a:rPr lang="en-US" dirty="0" smtClean="0"/>
-              <a:t>LOOP looks like this:</a:t>
+              <a:t>A Conditional LOOP looks like this:</a:t>
             </a:r>
           </a:p>
           <a:p>
@@ -5436,15 +5253,7 @@
                   <a:srgbClr val="002060"/>
                 </a:solidFill>
               </a:rPr>
-              <a:t>	</a:t>
-            </a:r>
-            <a:r>
-              <a:rPr lang="en-US" sz="2400" b="1" dirty="0" smtClean="0">
-                <a:solidFill>
-                  <a:srgbClr val="002060"/>
-                </a:solidFill>
-              </a:rPr>
-              <a:t>	while</a:t>
+              <a:t>		while</a:t>
             </a:r>
             <a:r>
               <a:rPr lang="en-US" sz="2400" dirty="0" smtClean="0"/>
@@ -5482,74 +5291,53 @@
                   <a:srgbClr val="C00000"/>
                 </a:solidFill>
               </a:rPr>
+              <a:t>		    print(</a:t>
+            </a:r>
+            <a:r>
+              <a:rPr lang="en-US" sz="2400" dirty="0" err="1" smtClean="0">
+                <a:solidFill>
+                  <a:srgbClr val="C00000"/>
+                </a:solidFill>
+              </a:rPr>
+              <a:t>myNumber</a:t>
+            </a:r>
+            <a:r>
+              <a:rPr lang="en-US" sz="2400" dirty="0" smtClean="0">
+                <a:solidFill>
+                  <a:srgbClr val="C00000"/>
+                </a:solidFill>
+              </a:rPr>
+              <a:t>)</a:t>
+            </a:r>
+          </a:p>
+          <a:p>
+            <a:pPr>
+              <a:buNone/>
+            </a:pPr>
+            <a:r>
+              <a:rPr lang="en-US" sz="2400" dirty="0" smtClean="0">
+                <a:solidFill>
+                  <a:srgbClr val="C00000"/>
+                </a:solidFill>
+              </a:rPr>
               <a:t>		    </a:t>
             </a:r>
             <a:r>
+              <a:rPr lang="en-US" sz="2400" dirty="0" err="1" smtClean="0">
+                <a:solidFill>
+                  <a:srgbClr val="C00000"/>
+                </a:solidFill>
+              </a:rPr>
+              <a:t>myNumber</a:t>
+            </a:r>
+            <a:r>
               <a:rPr lang="en-US" sz="2400" dirty="0" smtClean="0">
                 <a:solidFill>
                   <a:srgbClr val="C00000"/>
                 </a:solidFill>
               </a:rPr>
-              <a:t>print(</a:t>
-            </a:r>
-            <a:r>
-              <a:rPr lang="en-US" sz="2400" dirty="0" err="1" smtClean="0">
-                <a:solidFill>
-                  <a:srgbClr val="C00000"/>
-                </a:solidFill>
-              </a:rPr>
-              <a:t>myNumber</a:t>
-            </a:r>
-            <a:r>
-              <a:rPr lang="en-US" sz="2400" dirty="0" smtClean="0">
-                <a:solidFill>
-                  <a:srgbClr val="C00000"/>
-                </a:solidFill>
-              </a:rPr>
-              <a:t>)</a:t>
-            </a:r>
-          </a:p>
-          <a:p>
-            <a:pPr>
-              <a:buNone/>
-            </a:pPr>
-            <a:r>
-              <a:rPr lang="en-US" sz="2400" dirty="0" smtClean="0">
-                <a:solidFill>
-                  <a:srgbClr val="C00000"/>
-                </a:solidFill>
-              </a:rPr>
-              <a:t>	</a:t>
-            </a:r>
-            <a:r>
-              <a:rPr lang="en-US" sz="2400" dirty="0" smtClean="0">
-                <a:solidFill>
-                  <a:srgbClr val="C00000"/>
-                </a:solidFill>
-              </a:rPr>
-              <a:t>	    </a:t>
-            </a:r>
-            <a:r>
-              <a:rPr lang="en-US" sz="2400" dirty="0" err="1" smtClean="0">
-                <a:solidFill>
-                  <a:srgbClr val="C00000"/>
-                </a:solidFill>
-              </a:rPr>
-              <a:t>myNumber</a:t>
-            </a:r>
-            <a:r>
-              <a:rPr lang="en-US" sz="2400" dirty="0" smtClean="0">
-                <a:solidFill>
-                  <a:srgbClr val="C00000"/>
-                </a:solidFill>
-              </a:rPr>
               <a:t> += 1</a:t>
             </a:r>
-            <a:endParaRPr lang="en-US" sz="2400" dirty="0" smtClean="0">
-              <a:solidFill>
-                <a:srgbClr val="C00000"/>
-              </a:solidFill>
-            </a:endParaRPr>
           </a:p>
           <a:p>
             <a:pPr lvl="1"/>
@@ -5558,11 +5346,7 @@
           <a:p>
             <a:r>
               <a:rPr lang="en-US" dirty="0" smtClean="0"/>
-              <a:t>The loop is repeated </a:t>
-            </a:r>
-            <a:r>
-              <a:rPr lang="en-US" dirty="0" smtClean="0"/>
-              <a:t>as long as the condition is </a:t>
+              <a:t>The loop is repeated as long as the condition is </a:t>
             </a:r>
             <a:r>
               <a:rPr lang="en-US" i="1" u="sng" dirty="0" smtClean="0"/>
@@ -5612,7 +5396,6 @@
               <a:rPr lang="en-US" dirty="0" smtClean="0"/>
               <a:t>The program becomes "stuck" and never finishes</a:t>
             </a:r>
-            <a:endParaRPr lang="en-US" dirty="0" smtClean="0"/>
           </a:p>
           <a:p>
             <a:endParaRPr lang="en-US" dirty="0"/>
@@ -5694,11 +5477,7 @@
           <a:p>
             <a:r>
               <a:rPr lang="en-US" dirty="0" smtClean="0"/>
-              <a:t>The "break" statement allows you to stop a loop early based on other conditions in the program</a:t>
-            </a:r>
-            <a:r>
-              <a:rPr lang="en-US" dirty="0" smtClean="0"/>
-              <a:t>.</a:t>
+              <a:t>The "break" statement allows you to stop a loop early based on other conditions in the program.</a:t>
             </a:r>
           </a:p>
           <a:p>
@@ -5753,7 +5532,15 @@
                   <a:srgbClr val="002060"/>
                 </a:solidFill>
               </a:rPr>
-              <a:t>		    answer </a:t>
+              <a:t>		    answer = </a:t>
+            </a:r>
+            <a:r>
+              <a:rPr lang="en-US" sz="2400" dirty="0" err="1" smtClean="0">
+                <a:solidFill>
+                  <a:srgbClr val="002060"/>
+                </a:solidFill>
+              </a:rPr>
+              <a:t>myNumber</a:t>
             </a:r>
             <a:r>
               <a:rPr lang="en-US" sz="2400" dirty="0" smtClean="0">
@@ -5761,23 +5548,20 @@
                   <a:srgbClr val="002060"/>
                 </a:solidFill>
               </a:rPr>
-              <a:t>= </a:t>
-            </a:r>
-            <a:r>
-              <a:rPr lang="en-US" sz="2400" dirty="0" err="1" smtClean="0">
-                <a:solidFill>
-                  <a:srgbClr val="002060"/>
-                </a:solidFill>
-              </a:rPr>
-              <a:t>myNumber</a:t>
-            </a:r>
+              <a:t> * 2</a:t>
+            </a:r>
+          </a:p>
+          <a:p>
+            <a:pPr>
+              <a:buNone/>
+            </a:pPr>
             <a:r>
               <a:rPr lang="en-US" sz="2400" dirty="0" smtClean="0">
                 <a:solidFill>
                   <a:srgbClr val="002060"/>
                 </a:solidFill>
               </a:rPr>
-              <a:t> * 2</a:t>
+              <a:t>		    if (answer &gt; 7) :</a:t>
             </a:r>
           </a:p>
           <a:p>
@@ -5790,62 +5574,28 @@
                   <a:srgbClr val="002060"/>
                 </a:solidFill>
               </a:rPr>
-              <a:t>		    if </a:t>
-            </a:r>
+              <a:t>		</a:t>
+            </a:r>
+            <a:r>
+              <a:rPr lang="en-US" sz="2400" b="1" dirty="0" smtClean="0">
+                <a:solidFill>
+                  <a:srgbClr val="002060"/>
+                </a:solidFill>
+              </a:rPr>
+              <a:t>        break</a:t>
+            </a:r>
+          </a:p>
+          <a:p>
+            <a:pPr>
+              <a:buNone/>
+            </a:pPr>
             <a:r>
               <a:rPr lang="en-US" sz="2400" dirty="0" smtClean="0">
                 <a:solidFill>
                   <a:srgbClr val="002060"/>
                 </a:solidFill>
               </a:rPr>
-              <a:t>(answer &gt; 7) :</a:t>
-            </a:r>
-          </a:p>
-          <a:p>
-            <a:pPr>
-              <a:buNone/>
-            </a:pPr>
-            <a:r>
-              <a:rPr lang="en-US" sz="2400" dirty="0" smtClean="0">
-                <a:solidFill>
-                  <a:srgbClr val="002060"/>
-                </a:solidFill>
-              </a:rPr>
-              <a:t>		</a:t>
-            </a:r>
-            <a:r>
-              <a:rPr lang="en-US" sz="2400" b="1" dirty="0" smtClean="0">
-                <a:solidFill>
-                  <a:srgbClr val="002060"/>
-                </a:solidFill>
-              </a:rPr>
-              <a:t>        break</a:t>
-            </a:r>
-            <a:endParaRPr lang="en-US" sz="2400" b="1" dirty="0" smtClean="0">
-              <a:solidFill>
-                <a:srgbClr val="002060"/>
-              </a:solidFill>
-            </a:endParaRPr>
-          </a:p>
-          <a:p>
-            <a:pPr>
-              <a:buNone/>
-            </a:pPr>
-            <a:r>
-              <a:rPr lang="en-US" sz="2400" dirty="0" smtClean="0">
-                <a:solidFill>
-                  <a:srgbClr val="002060"/>
-                </a:solidFill>
-              </a:rPr>
-              <a:t>		print(answer</a:t>
-            </a:r>
-            <a:r>
-              <a:rPr lang="en-US" sz="2400" dirty="0" smtClean="0">
-                <a:solidFill>
-                  <a:srgbClr val="002060"/>
-                </a:solidFill>
-              </a:rPr>
-              <a:t>)</a:t>
+              <a:t>		print(answer)</a:t>
             </a:r>
           </a:p>
           <a:p>
@@ -6042,13 +5792,20 @@
     </p:spTree>
     <p:extLst>
       <p:ext uri="{BB962C8B-B14F-4D97-AF65-F5344CB8AC3E}">
-        <p14:creationId xmlns:p14="http://schemas.microsoft.com/office/powerpoint/2010/main" xmlns="" val="967672963"/>
+        <p14:creationId xmlns:p14="http://schemas.microsoft.com/office/powerpoint/2010/main" val="967672963"/>
       </p:ext>
     </p:extLst>
   </p:cSld>
   <p:clrMapOvr>
     <a:masterClrMapping/>
   </p:clrMapOvr>
+  <p:timing>
+    <p:tnLst>
+      <p:par>
+        <p:cTn id="1" dur="indefinite" restart="never" nodeType="tmRoot"/>
+      </p:par>
+    </p:tnLst>
+  </p:timing>
 </p:sld>
 </file>
 
@@ -6195,13 +5952,20 @@
     </p:spTree>
     <p:extLst>
       <p:ext uri="{BB962C8B-B14F-4D97-AF65-F5344CB8AC3E}">
-        <p14:creationId xmlns:p14="http://schemas.microsoft.com/office/powerpoint/2010/main" xmlns="" val="967672963"/>
+        <p14:creationId xmlns:p14="http://schemas.microsoft.com/office/powerpoint/2010/main" val="967672963"/>
       </p:ext>
     </p:extLst>
   </p:cSld>
   <p:clrMapOvr>
     <a:masterClrMapping/>
   </p:clrMapOvr>
+  <p:timing>
+    <p:tnLst>
+      <p:par>
+        <p:cTn id="1" dur="indefinite" restart="never" nodeType="tmRoot"/>
+      </p:par>
+    </p:tnLst>
+  </p:timing>
 </p:sld>
 </file>
 
@@ -6396,6 +6160,13 @@
   <p:clrMapOvr>
     <a:masterClrMapping/>
   </p:clrMapOvr>
+  <p:timing>
+    <p:tnLst>
+      <p:par>
+        <p:cTn id="1" dur="indefinite" restart="never" nodeType="tmRoot"/>
+      </p:par>
+    </p:tnLst>
+  </p:timing>
 </p:sld>
 </file>
 
@@ -6515,13 +6286,20 @@
     </p:spTree>
     <p:extLst>
       <p:ext uri="{BB962C8B-B14F-4D97-AF65-F5344CB8AC3E}">
-        <p14:creationId xmlns:p14="http://schemas.microsoft.com/office/powerpoint/2010/main" xmlns="" val="1765617944"/>
+        <p14:creationId xmlns:p14="http://schemas.microsoft.com/office/powerpoint/2010/main" val="1765617944"/>
       </p:ext>
     </p:extLst>
   </p:cSld>
   <p:clrMapOvr>
     <a:masterClrMapping/>
   </p:clrMapOvr>
+  <p:timing>
+    <p:tnLst>
+      <p:par>
+        <p:cTn id="1" dur="indefinite" restart="never" nodeType="tmRoot"/>
+      </p:par>
+    </p:tnLst>
+  </p:timing>
 </p:sld>
 </file>
 
@@ -6749,13 +6527,20 @@
     </p:spTree>
     <p:extLst>
       <p:ext uri="{BB962C8B-B14F-4D97-AF65-F5344CB8AC3E}">
-        <p14:creationId xmlns:p14="http://schemas.microsoft.com/office/powerpoint/2010/main" xmlns="" val="1765617944"/>
+        <p14:creationId xmlns:p14="http://schemas.microsoft.com/office/powerpoint/2010/main" val="1765617944"/>
       </p:ext>
     </p:extLst>
   </p:cSld>
   <p:clrMapOvr>
     <a:masterClrMapping/>
   </p:clrMapOvr>
+  <p:timing>
+    <p:tnLst>
+      <p:par>
+        <p:cTn id="1" dur="indefinite" restart="never" nodeType="tmRoot"/>
+      </p:par>
+    </p:tnLst>
+  </p:timing>
 </p:sld>
 </file>
 
@@ -6938,13 +6723,20 @@
     </p:spTree>
     <p:extLst>
       <p:ext uri="{BB962C8B-B14F-4D97-AF65-F5344CB8AC3E}">
-        <p14:creationId xmlns:p14="http://schemas.microsoft.com/office/powerpoint/2010/main" xmlns="" val="1765617944"/>
+        <p14:creationId xmlns:p14="http://schemas.microsoft.com/office/powerpoint/2010/main" val="1765617944"/>
       </p:ext>
     </p:extLst>
   </p:cSld>
   <p:clrMapOvr>
     <a:masterClrMapping/>
   </p:clrMapOvr>
+  <p:timing>
+    <p:tnLst>
+      <p:par>
+        <p:cTn id="1" dur="indefinite" restart="never" nodeType="tmRoot"/>
+      </p:par>
+    </p:tnLst>
+  </p:timing>
 </p:sld>
 </file>
 
@@ -7131,13 +6923,20 @@
     </p:spTree>
     <p:extLst>
       <p:ext uri="{BB962C8B-B14F-4D97-AF65-F5344CB8AC3E}">
-        <p14:creationId xmlns:p14="http://schemas.microsoft.com/office/powerpoint/2010/main" xmlns="" val="1765617944"/>
+        <p14:creationId xmlns:p14="http://schemas.microsoft.com/office/powerpoint/2010/main" val="1765617944"/>
       </p:ext>
     </p:extLst>
   </p:cSld>
   <p:clrMapOvr>
     <a:masterClrMapping/>
   </p:clrMapOvr>
+  <p:timing>
+    <p:tnLst>
+      <p:par>
+        <p:cTn id="1" dur="indefinite" restart="never" nodeType="tmRoot"/>
+      </p:par>
+    </p:tnLst>
+  </p:timing>
 </p:sld>
 </file>
 
@@ -7380,13 +7179,20 @@
     </p:spTree>
     <p:extLst>
       <p:ext uri="{BB962C8B-B14F-4D97-AF65-F5344CB8AC3E}">
-        <p14:creationId xmlns:p14="http://schemas.microsoft.com/office/powerpoint/2010/main" xmlns="" val="1765617944"/>
+        <p14:creationId xmlns:p14="http://schemas.microsoft.com/office/powerpoint/2010/main" val="1765617944"/>
       </p:ext>
     </p:extLst>
   </p:cSld>
   <p:clrMapOvr>
     <a:masterClrMapping/>
   </p:clrMapOvr>
+  <p:timing>
+    <p:tnLst>
+      <p:par>
+        <p:cTn id="1" dur="indefinite" restart="never" nodeType="tmRoot"/>
+      </p:par>
+    </p:tnLst>
+  </p:timing>
 </p:sld>
 </file>
 
@@ -7645,7 +7451,7 @@
   <a:extraClrSchemeLst/>
   <a:extLst>
     <a:ext uri="{05A4C25C-085E-4340-85A3-A5531E510DB2}">
-      <thm15:themeFamily xmlns:thm15="http://schemas.microsoft.com/office/thememl/2012/main" xmlns="" name="Office Theme" id="{62F939B6-93AF-4DB8-9C6B-D6C7DFDC589F}" vid="{4A3C46E8-61CC-4603-A589-7422A47A8E4A}"/>
+      <thm15:themeFamily xmlns:thm15="http://schemas.microsoft.com/office/thememl/2012/main" name="Office Theme" id="{62F939B6-93AF-4DB8-9C6B-D6C7DFDC589F}" vid="{4A3C46E8-61CC-4603-A589-7422A47A8E4A}"/>
     </a:ext>
   </a:extLst>
 </a:theme>
